--- a/python笔记.pptx
+++ b/python笔记.pptx
@@ -232,7 +232,7 @@
           <a:p>
             <a:fld id="{CEB82A20-45F5-4F69-B064-0DB04D185519}" type="datetimeFigureOut">
               <a:rPr lang="zh-CN" altLang="en-US" smtClean="0"/>
-              <a:t>2025/2/1</a:t>
+              <a:t>2025/2/2</a:t>
             </a:fld>
             <a:endParaRPr lang="zh-CN" altLang="en-US"/>
           </a:p>
@@ -814,7 +814,7 @@
           <a:p>
             <a:fld id="{DB9FE1E7-80C3-47BE-9390-0FAF2629ABA0}" type="datetimeFigureOut">
               <a:rPr lang="zh-CN" altLang="en-US" smtClean="0"/>
-              <a:t>2025/2/1</a:t>
+              <a:t>2025/2/2</a:t>
             </a:fld>
             <a:endParaRPr lang="zh-CN" altLang="en-US"/>
           </a:p>
@@ -1012,7 +1012,7 @@
           <a:p>
             <a:fld id="{DB9FE1E7-80C3-47BE-9390-0FAF2629ABA0}" type="datetimeFigureOut">
               <a:rPr lang="zh-CN" altLang="en-US" smtClean="0"/>
-              <a:t>2025/2/1</a:t>
+              <a:t>2025/2/2</a:t>
             </a:fld>
             <a:endParaRPr lang="zh-CN" altLang="en-US"/>
           </a:p>
@@ -1220,7 +1220,7 @@
           <a:p>
             <a:fld id="{DB9FE1E7-80C3-47BE-9390-0FAF2629ABA0}" type="datetimeFigureOut">
               <a:rPr lang="zh-CN" altLang="en-US" smtClean="0"/>
-              <a:t>2025/2/1</a:t>
+              <a:t>2025/2/2</a:t>
             </a:fld>
             <a:endParaRPr lang="zh-CN" altLang="en-US"/>
           </a:p>
@@ -1418,7 +1418,7 @@
           <a:p>
             <a:fld id="{DB9FE1E7-80C3-47BE-9390-0FAF2629ABA0}" type="datetimeFigureOut">
               <a:rPr lang="zh-CN" altLang="en-US" smtClean="0"/>
-              <a:t>2025/2/1</a:t>
+              <a:t>2025/2/2</a:t>
             </a:fld>
             <a:endParaRPr lang="zh-CN" altLang="en-US"/>
           </a:p>
@@ -1693,7 +1693,7 @@
           <a:p>
             <a:fld id="{DB9FE1E7-80C3-47BE-9390-0FAF2629ABA0}" type="datetimeFigureOut">
               <a:rPr lang="zh-CN" altLang="en-US" smtClean="0"/>
-              <a:t>2025/2/1</a:t>
+              <a:t>2025/2/2</a:t>
             </a:fld>
             <a:endParaRPr lang="zh-CN" altLang="en-US"/>
           </a:p>
@@ -1958,7 +1958,7 @@
           <a:p>
             <a:fld id="{DB9FE1E7-80C3-47BE-9390-0FAF2629ABA0}" type="datetimeFigureOut">
               <a:rPr lang="zh-CN" altLang="en-US" smtClean="0"/>
-              <a:t>2025/2/1</a:t>
+              <a:t>2025/2/2</a:t>
             </a:fld>
             <a:endParaRPr lang="zh-CN" altLang="en-US"/>
           </a:p>
@@ -2370,7 +2370,7 @@
           <a:p>
             <a:fld id="{DB9FE1E7-80C3-47BE-9390-0FAF2629ABA0}" type="datetimeFigureOut">
               <a:rPr lang="zh-CN" altLang="en-US" smtClean="0"/>
-              <a:t>2025/2/1</a:t>
+              <a:t>2025/2/2</a:t>
             </a:fld>
             <a:endParaRPr lang="zh-CN" altLang="en-US"/>
           </a:p>
@@ -2511,7 +2511,7 @@
           <a:p>
             <a:fld id="{DB9FE1E7-80C3-47BE-9390-0FAF2629ABA0}" type="datetimeFigureOut">
               <a:rPr lang="zh-CN" altLang="en-US" smtClean="0"/>
-              <a:t>2025/2/1</a:t>
+              <a:t>2025/2/2</a:t>
             </a:fld>
             <a:endParaRPr lang="zh-CN" altLang="en-US"/>
           </a:p>
@@ -2624,7 +2624,7 @@
           <a:p>
             <a:fld id="{DB9FE1E7-80C3-47BE-9390-0FAF2629ABA0}" type="datetimeFigureOut">
               <a:rPr lang="zh-CN" altLang="en-US" smtClean="0"/>
-              <a:t>2025/2/1</a:t>
+              <a:t>2025/2/2</a:t>
             </a:fld>
             <a:endParaRPr lang="zh-CN" altLang="en-US"/>
           </a:p>
@@ -2935,7 +2935,7 @@
           <a:p>
             <a:fld id="{DB9FE1E7-80C3-47BE-9390-0FAF2629ABA0}" type="datetimeFigureOut">
               <a:rPr lang="zh-CN" altLang="en-US" smtClean="0"/>
-              <a:t>2025/2/1</a:t>
+              <a:t>2025/2/2</a:t>
             </a:fld>
             <a:endParaRPr lang="zh-CN" altLang="en-US"/>
           </a:p>
@@ -3223,7 +3223,7 @@
           <a:p>
             <a:fld id="{DB9FE1E7-80C3-47BE-9390-0FAF2629ABA0}" type="datetimeFigureOut">
               <a:rPr lang="zh-CN" altLang="en-US" smtClean="0"/>
-              <a:t>2025/2/1</a:t>
+              <a:t>2025/2/2</a:t>
             </a:fld>
             <a:endParaRPr lang="zh-CN" altLang="en-US"/>
           </a:p>
@@ -3464,7 +3464,7 @@
           <a:p>
             <a:fld id="{DB9FE1E7-80C3-47BE-9390-0FAF2629ABA0}" type="datetimeFigureOut">
               <a:rPr lang="zh-CN" altLang="en-US" smtClean="0"/>
-              <a:t>2025/2/1</a:t>
+              <a:t>2025/2/2</a:t>
             </a:fld>
             <a:endParaRPr lang="zh-CN" altLang="en-US"/>
           </a:p>
@@ -4231,7 +4231,7 @@
         <p:spPr>
           <a:xfrm>
             <a:off x="163629" y="250257"/>
-            <a:ext cx="11944952" cy="646331"/>
+            <a:ext cx="11944952" cy="923330"/>
           </a:xfrm>
           <a:prstGeom prst="rect">
             <a:avLst/>
@@ -4259,6 +4259,18 @@
               <a:rPr lang="zh-CN" altLang="en-US" dirty="0"/>
               <a:t>：取绝对值</a:t>
             </a:r>
+            <a:endParaRPr lang="en-US" altLang="zh-CN" dirty="0"/>
+          </a:p>
+          <a:p>
+            <a:r>
+              <a:rPr lang="en-US" altLang="zh-CN" dirty="0"/>
+              <a:t>Pass</a:t>
+            </a:r>
+            <a:r>
+              <a:rPr lang="zh-CN" altLang="en-US"/>
+              <a:t>：本身无意义，起结构支撑作用</a:t>
+            </a:r>
+            <a:endParaRPr lang="zh-CN" altLang="en-US" dirty="0"/>
           </a:p>
         </p:txBody>
       </p:sp>
